--- a/documentation/prezentacja/Aplikacja FitClub.pptx
+++ b/documentation/prezentacja/Aplikacja FitClub.pptx
@@ -112,6 +112,11 @@
       </a:defRPr>
     </a:lvl9pPr>
   </p:defaultTextStyle>
+  <p:extLst>
+    <p:ext uri="{EFAFB233-063F-42B5-8137-9DF3F51BA10A}">
+      <p15:sldGuideLst xmlns:p15="http://schemas.microsoft.com/office/powerpoint/2012/main"/>
+    </p:ext>
+  </p:extLst>
 </p:presentation>
 </file>
 
@@ -1321,7 +1326,7 @@
           <a:p>
             <a:fld id="{7EE0DDC2-7D18-4446-8A5E-4B3965080339}" type="datetimeFigureOut">
               <a:rPr lang="pl-PL" smtClean="0"/>
-              <a:t>15.01.2022</a:t>
+              <a:t>17.01.2022</a:t>
             </a:fld>
             <a:endParaRPr lang="pl-PL"/>
           </a:p>
@@ -2334,7 +2339,7 @@
           <a:p>
             <a:fld id="{95CEBA8D-DDC7-4977-A19C-65FC0AD12743}" type="datetimeFigureOut">
               <a:rPr lang="pl-PL" smtClean="0"/>
-              <a:t>15.01.2022</a:t>
+              <a:t>17.01.2022</a:t>
             </a:fld>
             <a:endParaRPr lang="pl-PL"/>
           </a:p>
@@ -2585,7 +2590,7 @@
           <a:p>
             <a:fld id="{95CEBA8D-DDC7-4977-A19C-65FC0AD12743}" type="datetimeFigureOut">
               <a:rPr lang="pl-PL" smtClean="0"/>
-              <a:t>15.01.2022</a:t>
+              <a:t>17.01.2022</a:t>
             </a:fld>
             <a:endParaRPr lang="pl-PL"/>
           </a:p>
@@ -2899,7 +2904,7 @@
           <a:p>
             <a:fld id="{95CEBA8D-DDC7-4977-A19C-65FC0AD12743}" type="datetimeFigureOut">
               <a:rPr lang="pl-PL" smtClean="0"/>
-              <a:t>15.01.2022</a:t>
+              <a:t>17.01.2022</a:t>
             </a:fld>
             <a:endParaRPr lang="pl-PL"/>
           </a:p>
@@ -3232,7 +3237,7 @@
           <a:p>
             <a:fld id="{95CEBA8D-DDC7-4977-A19C-65FC0AD12743}" type="datetimeFigureOut">
               <a:rPr lang="pl-PL" smtClean="0"/>
-              <a:t>15.01.2022</a:t>
+              <a:t>17.01.2022</a:t>
             </a:fld>
             <a:endParaRPr lang="pl-PL"/>
           </a:p>
@@ -3546,7 +3551,7 @@
           <a:p>
             <a:fld id="{95CEBA8D-DDC7-4977-A19C-65FC0AD12743}" type="datetimeFigureOut">
               <a:rPr lang="pl-PL" smtClean="0"/>
-              <a:t>15.01.2022</a:t>
+              <a:t>17.01.2022</a:t>
             </a:fld>
             <a:endParaRPr lang="pl-PL"/>
           </a:p>
@@ -3939,7 +3944,7 @@
           <a:p>
             <a:fld id="{95CEBA8D-DDC7-4977-A19C-65FC0AD12743}" type="datetimeFigureOut">
               <a:rPr lang="pl-PL" smtClean="0"/>
-              <a:t>15.01.2022</a:t>
+              <a:t>17.01.2022</a:t>
             </a:fld>
             <a:endParaRPr lang="pl-PL"/>
           </a:p>
@@ -4109,7 +4114,7 @@
           <a:p>
             <a:fld id="{95CEBA8D-DDC7-4977-A19C-65FC0AD12743}" type="datetimeFigureOut">
               <a:rPr lang="pl-PL" smtClean="0"/>
-              <a:t>15.01.2022</a:t>
+              <a:t>17.01.2022</a:t>
             </a:fld>
             <a:endParaRPr lang="pl-PL"/>
           </a:p>
@@ -4289,7 +4294,7 @@
           <a:p>
             <a:fld id="{95CEBA8D-DDC7-4977-A19C-65FC0AD12743}" type="datetimeFigureOut">
               <a:rPr lang="pl-PL" smtClean="0"/>
-              <a:t>15.01.2022</a:t>
+              <a:t>17.01.2022</a:t>
             </a:fld>
             <a:endParaRPr lang="pl-PL"/>
           </a:p>
@@ -4459,7 +4464,7 @@
           <a:p>
             <a:fld id="{95CEBA8D-DDC7-4977-A19C-65FC0AD12743}" type="datetimeFigureOut">
               <a:rPr lang="pl-PL" smtClean="0"/>
-              <a:t>15.01.2022</a:t>
+              <a:t>17.01.2022</a:t>
             </a:fld>
             <a:endParaRPr lang="pl-PL"/>
           </a:p>
@@ -4706,7 +4711,7 @@
           <a:p>
             <a:fld id="{95CEBA8D-DDC7-4977-A19C-65FC0AD12743}" type="datetimeFigureOut">
               <a:rPr lang="pl-PL" smtClean="0"/>
-              <a:t>15.01.2022</a:t>
+              <a:t>17.01.2022</a:t>
             </a:fld>
             <a:endParaRPr lang="pl-PL"/>
           </a:p>
@@ -4938,7 +4943,7 @@
           <a:p>
             <a:fld id="{95CEBA8D-DDC7-4977-A19C-65FC0AD12743}" type="datetimeFigureOut">
               <a:rPr lang="pl-PL" smtClean="0"/>
-              <a:t>15.01.2022</a:t>
+              <a:t>17.01.2022</a:t>
             </a:fld>
             <a:endParaRPr lang="pl-PL"/>
           </a:p>
@@ -5312,7 +5317,7 @@
           <a:p>
             <a:fld id="{95CEBA8D-DDC7-4977-A19C-65FC0AD12743}" type="datetimeFigureOut">
               <a:rPr lang="pl-PL" smtClean="0"/>
-              <a:t>15.01.2022</a:t>
+              <a:t>17.01.2022</a:t>
             </a:fld>
             <a:endParaRPr lang="pl-PL"/>
           </a:p>
@@ -5435,7 +5440,7 @@
           <a:p>
             <a:fld id="{95CEBA8D-DDC7-4977-A19C-65FC0AD12743}" type="datetimeFigureOut">
               <a:rPr lang="pl-PL" smtClean="0"/>
-              <a:t>15.01.2022</a:t>
+              <a:t>17.01.2022</a:t>
             </a:fld>
             <a:endParaRPr lang="pl-PL"/>
           </a:p>
@@ -5530,7 +5535,7 @@
           <a:p>
             <a:fld id="{95CEBA8D-DDC7-4977-A19C-65FC0AD12743}" type="datetimeFigureOut">
               <a:rPr lang="pl-PL" smtClean="0"/>
-              <a:t>15.01.2022</a:t>
+              <a:t>17.01.2022</a:t>
             </a:fld>
             <a:endParaRPr lang="pl-PL"/>
           </a:p>
@@ -5785,7 +5790,7 @@
           <a:p>
             <a:fld id="{95CEBA8D-DDC7-4977-A19C-65FC0AD12743}" type="datetimeFigureOut">
               <a:rPr lang="pl-PL" smtClean="0"/>
-              <a:t>15.01.2022</a:t>
+              <a:t>17.01.2022</a:t>
             </a:fld>
             <a:endParaRPr lang="pl-PL"/>
           </a:p>
@@ -6090,7 +6095,7 @@
           <a:p>
             <a:fld id="{95CEBA8D-DDC7-4977-A19C-65FC0AD12743}" type="datetimeFigureOut">
               <a:rPr lang="pl-PL" smtClean="0"/>
-              <a:t>15.01.2022</a:t>
+              <a:t>17.01.2022</a:t>
             </a:fld>
             <a:endParaRPr lang="pl-PL"/>
           </a:p>
@@ -6792,7 +6797,7 @@
           <a:p>
             <a:fld id="{95CEBA8D-DDC7-4977-A19C-65FC0AD12743}" type="datetimeFigureOut">
               <a:rPr lang="pl-PL" smtClean="0"/>
-              <a:t>15.01.2022</a:t>
+              <a:t>17.01.2022</a:t>
             </a:fld>
             <a:endParaRPr lang="pl-PL"/>
           </a:p>
@@ -8059,7 +8064,7 @@
                   <a:schemeClr val="accent4"/>
                 </a:solidFill>
               </a:rPr>
-              <a:t> (2 tyg)</a:t>
+              <a:t> (do 2 tyg)</a:t>
             </a:r>
           </a:p>
           <a:p>
@@ -8789,6 +8794,76 @@
           </a:p>
         </p:txBody>
       </p:sp>
+      <p:pic>
+        <p:nvPicPr>
+          <p:cNvPr id="4" name="Picture 3" descr="Diagram&#10;&#10;Description automatically generated">
+            <a:extLst>
+              <a:ext uri="{FF2B5EF4-FFF2-40B4-BE49-F238E27FC236}">
+                <a16:creationId xmlns:a16="http://schemas.microsoft.com/office/drawing/2014/main" id="{90BF2AA7-635E-4F82-81AB-B3B24FDCFE67}"/>
+              </a:ext>
+            </a:extLst>
+          </p:cNvPr>
+          <p:cNvPicPr>
+            <a:picLocks noChangeAspect="1"/>
+          </p:cNvPicPr>
+          <p:nvPr/>
+        </p:nvPicPr>
+        <p:blipFill rotWithShape="1">
+          <a:blip r:embed="rId2">
+            <a:extLst>
+              <a:ext uri="{28A0092B-C50C-407E-A947-70E740481C1C}">
+                <a14:useLocalDpi xmlns:a14="http://schemas.microsoft.com/office/drawing/2010/main" val="0"/>
+              </a:ext>
+            </a:extLst>
+          </a:blip>
+          <a:srcRect b="73706"/>
+          <a:stretch/>
+        </p:blipFill>
+        <p:spPr>
+          <a:xfrm>
+            <a:off x="409575" y="2302042"/>
+            <a:ext cx="4680014" cy="1803233"/>
+          </a:xfrm>
+          <a:prstGeom prst="rect">
+            <a:avLst/>
+          </a:prstGeom>
+        </p:spPr>
+      </p:pic>
+      <p:pic>
+        <p:nvPicPr>
+          <p:cNvPr id="6" name="Picture 5" descr="Diagram&#10;&#10;Description automatically generated">
+            <a:extLst>
+              <a:ext uri="{FF2B5EF4-FFF2-40B4-BE49-F238E27FC236}">
+                <a16:creationId xmlns:a16="http://schemas.microsoft.com/office/drawing/2014/main" id="{CCA80E59-4C57-4703-AE5F-817FA98CCAE8}"/>
+              </a:ext>
+            </a:extLst>
+          </p:cNvPr>
+          <p:cNvPicPr>
+            <a:picLocks noChangeAspect="1"/>
+          </p:cNvPicPr>
+          <p:nvPr/>
+        </p:nvPicPr>
+        <p:blipFill rotWithShape="1">
+          <a:blip r:embed="rId2">
+            <a:extLst>
+              <a:ext uri="{28A0092B-C50C-407E-A947-70E740481C1C}">
+                <a14:useLocalDpi xmlns:a14="http://schemas.microsoft.com/office/drawing/2010/main" val="0"/>
+              </a:ext>
+            </a:extLst>
+          </a:blip>
+          <a:srcRect t="26250"/>
+          <a:stretch/>
+        </p:blipFill>
+        <p:spPr>
+          <a:xfrm>
+            <a:off x="5575268" y="900112"/>
+            <a:ext cx="4680014" cy="5057775"/>
+          </a:xfrm>
+          <a:prstGeom prst="rect">
+            <a:avLst/>
+          </a:prstGeom>
+        </p:spPr>
+      </p:pic>
     </p:spTree>
     <p:extLst>
       <p:ext uri="{BB962C8B-B14F-4D97-AF65-F5344CB8AC3E}">
